--- a/pitch/SupplyHub Presentation.pptx
+++ b/pitch/SupplyHub Presentation.pptx
@@ -24295,7 +24295,7 @@
             </a:r>
             <a:r>
               <a:rPr lang="de-CH" dirty="0"/>
-              <a:t> React + Vue (Frontend) &amp; Python (Backend)</a:t>
+              <a:t> React + Vite</a:t>
             </a:r>
           </a:p>
         </p:txBody>
@@ -29488,6 +29488,15 @@
 </file>
 
 <file path=customXml/item2.xml><?xml version="1.0" encoding="utf-8"?>
+<?mso-contentType ?>
+<FormTemplates xmlns="http://schemas.microsoft.com/sharepoint/v3/contenttype/forms">
+  <Display>DocumentLibraryForm</Display>
+  <Edit>DocumentLibraryForm</Edit>
+  <New>DocumentLibraryForm</New>
+</FormTemplates>
+</file>
+
+<file path=customXml/item3.xml><?xml version="1.0" encoding="utf-8"?>
 <ct:contentTypeSchema xmlns:ct="http://schemas.microsoft.com/office/2006/metadata/contentType" xmlns:ma="http://schemas.microsoft.com/office/2006/metadata/properties/metaAttributes" ct:_="" ma:_="" ma:contentTypeName="Dokument" ma:contentTypeID="0x010100E0A6D8FDC799944CBC8F86A5AB815958" ma:contentTypeVersion="3" ma:contentTypeDescription="Ein neues Dokument erstellen." ma:contentTypeScope="" ma:versionID="e86843ccf2f1bf0a32a2d0f03811a5b4">
   <xsd:schema xmlns:xsd="http://www.w3.org/2001/XMLSchema" xmlns:xs="http://www.w3.org/2001/XMLSchema" xmlns:p="http://schemas.microsoft.com/office/2006/metadata/properties" xmlns:ns2="d116af33-48f8-4b7c-a446-ca5bbb8b4143" targetNamespace="http://schemas.microsoft.com/office/2006/metadata/properties" ma:root="true" ma:fieldsID="1c1764e2eec51a1f37b147ff581f5520" ns2:_="">
     <xsd:import namespace="d116af33-48f8-4b7c-a446-ca5bbb8b4143"/>
@@ -29625,15 +29634,6 @@
 </ct:contentTypeSchema>
 </file>
 
-<file path=customXml/item3.xml><?xml version="1.0" encoding="utf-8"?>
-<?mso-contentType ?>
-<FormTemplates xmlns="http://schemas.microsoft.com/sharepoint/v3/contenttype/forms">
-  <Display>DocumentLibraryForm</Display>
-  <Edit>DocumentLibraryForm</Edit>
-  <New>DocumentLibraryForm</New>
-</FormTemplates>
-</file>
-
 <file path=customXml/itemProps1.xml><?xml version="1.0" encoding="utf-8"?>
 <ds:datastoreItem xmlns:ds="http://schemas.openxmlformats.org/officeDocument/2006/customXml" ds:itemID="{69B6C760-44BB-42E0-8338-5FA00A756597}">
   <ds:schemaRefs>
@@ -29651,6 +29651,14 @@
 </file>
 
 <file path=customXml/itemProps2.xml><?xml version="1.0" encoding="utf-8"?>
+<ds:datastoreItem xmlns:ds="http://schemas.openxmlformats.org/officeDocument/2006/customXml" ds:itemID="{45001765-27E4-456A-B4EB-BC66E0A64A8E}">
+  <ds:schemaRefs>
+    <ds:schemaRef ds:uri="http://schemas.microsoft.com/sharepoint/v3/contenttype/forms"/>
+  </ds:schemaRefs>
+</ds:datastoreItem>
+</file>
+
+<file path=customXml/itemProps3.xml><?xml version="1.0" encoding="utf-8"?>
 <ds:datastoreItem xmlns:ds="http://schemas.openxmlformats.org/officeDocument/2006/customXml" ds:itemID="{B7AC3800-3F95-41B7-A4C8-A63B667991ED}">
   <ds:schemaRefs>
     <ds:schemaRef ds:uri="http://schemas.microsoft.com/office/2006/metadata/contentType"/>
@@ -29666,12 +29674,4 @@
     <ds:schemaRef ds:uri="http://schemas.microsoft.com/internal/obd"/>
   </ds:schemaRefs>
 </ds:datastoreItem>
-</file>
-
-<file path=customXml/itemProps3.xml><?xml version="1.0" encoding="utf-8"?>
-<ds:datastoreItem xmlns:ds="http://schemas.openxmlformats.org/officeDocument/2006/customXml" ds:itemID="{45001765-27E4-456A-B4EB-BC66E0A64A8E}">
-  <ds:schemaRefs>
-    <ds:schemaRef ds:uri="http://schemas.microsoft.com/sharepoint/v3/contenttype/forms"/>
-  </ds:schemaRefs>
-</ds:datastoreItem>
 </file>